--- a/WebscrapingNode.pptx
+++ b/WebscrapingNode.pptx
@@ -4104,18 +4104,25 @@
           <a:lstStyle/>
           <a:p>
             <a:r>
-              <a:rPr lang="en-US" sz="7200" dirty="0" err="1">
-                <a:latin typeface="Times New Roman" panose="02020603050405020304" pitchFamily="18" charset="0"/>
-                <a:cs typeface="Times New Roman" panose="02020603050405020304" pitchFamily="18" charset="0"/>
-              </a:rPr>
-              <a:t>Webscraping</a:t>
-            </a:r>
-            <a:r>
               <a:rPr lang="en-US" sz="7200" dirty="0">
                 <a:latin typeface="Times New Roman" panose="02020603050405020304" pitchFamily="18" charset="0"/>
                 <a:cs typeface="Times New Roman" panose="02020603050405020304" pitchFamily="18" charset="0"/>
               </a:rPr>
+              <a:t>Web</a:t>
+            </a:r>
+            <a:r>
+              <a:rPr lang="ru-RU" sz="7200" dirty="0">
+                <a:latin typeface="Times New Roman" panose="02020603050405020304" pitchFamily="18" charset="0"/>
+                <a:cs typeface="Times New Roman" panose="02020603050405020304" pitchFamily="18" charset="0"/>
+              </a:rPr>
               <a:t> </a:t>
+            </a:r>
+            <a:r>
+              <a:rPr lang="en-US" sz="7200" dirty="0">
+                <a:latin typeface="Times New Roman" panose="02020603050405020304" pitchFamily="18" charset="0"/>
+                <a:cs typeface="Times New Roman" panose="02020603050405020304" pitchFamily="18" charset="0"/>
+              </a:rPr>
+              <a:t>scraping </a:t>
             </a:r>
             <a:r>
               <a:rPr lang="ru-RU" sz="7200" dirty="0">
@@ -6963,9 +6970,6 @@
             </a:r>
             <a:endParaRPr lang="en-US"/>
           </a:p>
-          <a:p>
-            <a:endParaRPr lang="en-US" dirty="0"/>
-          </a:p>
         </p:txBody>
       </p:sp>
     </p:spTree>
@@ -7513,7 +7517,10 @@
           <a:lstStyle/>
           <a:p>
             <a:r>
-              <a:rPr lang="en-US" dirty="0"/>
+              <a:rPr lang="en-US" dirty="0">
+                <a:latin typeface="Times New Roman" panose="02020603050405020304" pitchFamily="18" charset="0"/>
+                <a:cs typeface="Times New Roman" panose="02020603050405020304" pitchFamily="18" charset="0"/>
+              </a:rPr>
               <a:t>MOYO</a:t>
             </a:r>
           </a:p>
